--- a/Game App Project.pptx
+++ b/Game App Project.pptx
@@ -4,6 +4,9 @@
   <p:sldMasterIdLst>
     <p:sldMasterId id="2147483660" r:id="rId1"/>
   </p:sldMasterIdLst>
+  <p:notesMasterIdLst>
+    <p:notesMasterId r:id="rId15"/>
+  </p:notesMasterIdLst>
   <p:sldIdLst>
     <p:sldId id="256" r:id="rId2"/>
     <p:sldId id="257" r:id="rId3"/>
@@ -14,9 +17,10 @@
     <p:sldId id="261" r:id="rId8"/>
     <p:sldId id="262" r:id="rId9"/>
     <p:sldId id="263" r:id="rId10"/>
-    <p:sldId id="264" r:id="rId11"/>
-    <p:sldId id="265" r:id="rId12"/>
-    <p:sldId id="266" r:id="rId13"/>
+    <p:sldId id="268" r:id="rId11"/>
+    <p:sldId id="264" r:id="rId12"/>
+    <p:sldId id="265" r:id="rId13"/>
+    <p:sldId id="266" r:id="rId14"/>
   </p:sldIdLst>
   <p:sldSz cx="9144000" cy="6858000" type="screen4x3"/>
   <p:notesSz cx="6858000" cy="9144000"/>
@@ -118,6 +122,434 @@
 </p:presentation>
 </file>
 
+<file path=ppt/notesMasters/notesMaster1.xml><?xml version="1.0" encoding="utf-8"?>
+<p:notesMaster xmlns:a="http://schemas.openxmlformats.org/drawingml/2006/main" xmlns:r="http://schemas.openxmlformats.org/officeDocument/2006/relationships" xmlns:p="http://schemas.openxmlformats.org/presentationml/2006/main">
+  <p:cSld>
+    <p:bg>
+      <p:bgRef idx="1001">
+        <a:schemeClr val="bg1"/>
+      </p:bgRef>
+    </p:bg>
+    <p:spTree>
+      <p:nvGrpSpPr>
+        <p:cNvPr id="1" name=""/>
+        <p:cNvGrpSpPr/>
+        <p:nvPr/>
+      </p:nvGrpSpPr>
+      <p:grpSpPr>
+        <a:xfrm>
+          <a:off x="0" y="0"/>
+          <a:ext cx="0" cy="0"/>
+          <a:chOff x="0" y="0"/>
+          <a:chExt cx="0" cy="0"/>
+        </a:xfrm>
+      </p:grpSpPr>
+      <p:sp>
+        <p:nvSpPr>
+          <p:cNvPr id="2" name="Header Placeholder 1"/>
+          <p:cNvSpPr>
+            <a:spLocks noGrp="1"/>
+          </p:cNvSpPr>
+          <p:nvPr>
+            <p:ph type="hdr" sz="quarter"/>
+          </p:nvPr>
+        </p:nvSpPr>
+        <p:spPr>
+          <a:xfrm>
+            <a:off x="0" y="0"/>
+            <a:ext cx="2971800" cy="457200"/>
+          </a:xfrm>
+          <a:prstGeom prst="rect">
+            <a:avLst/>
+          </a:prstGeom>
+        </p:spPr>
+        <p:txBody>
+          <a:bodyPr vert="horz" lIns="91440" tIns="45720" rIns="91440" bIns="45720" rtlCol="0"/>
+          <a:lstStyle>
+            <a:lvl1pPr algn="l">
+              <a:defRPr sz="1200"/>
+            </a:lvl1pPr>
+          </a:lstStyle>
+          <a:p>
+            <a:endParaRPr lang="en-IN"/>
+          </a:p>
+        </p:txBody>
+      </p:sp>
+      <p:sp>
+        <p:nvSpPr>
+          <p:cNvPr id="3" name="Date Placeholder 2"/>
+          <p:cNvSpPr>
+            <a:spLocks noGrp="1"/>
+          </p:cNvSpPr>
+          <p:nvPr>
+            <p:ph type="dt" idx="1"/>
+          </p:nvPr>
+        </p:nvSpPr>
+        <p:spPr>
+          <a:xfrm>
+            <a:off x="3884613" y="0"/>
+            <a:ext cx="2971800" cy="457200"/>
+          </a:xfrm>
+          <a:prstGeom prst="rect">
+            <a:avLst/>
+          </a:prstGeom>
+        </p:spPr>
+        <p:txBody>
+          <a:bodyPr vert="horz" lIns="91440" tIns="45720" rIns="91440" bIns="45720" rtlCol="0"/>
+          <a:lstStyle>
+            <a:lvl1pPr algn="r">
+              <a:defRPr sz="1200"/>
+            </a:lvl1pPr>
+          </a:lstStyle>
+          <a:p>
+            <a:fld id="{79F802CA-497D-4BA0-9993-59E11338273C}" type="datetimeFigureOut">
+              <a:rPr lang="en-US" smtClean="0"/>
+              <a:t>6/25/2018</a:t>
+            </a:fld>
+            <a:endParaRPr lang="en-IN"/>
+          </a:p>
+        </p:txBody>
+      </p:sp>
+      <p:sp>
+        <p:nvSpPr>
+          <p:cNvPr id="4" name="Slide Image Placeholder 3"/>
+          <p:cNvSpPr>
+            <a:spLocks noGrp="1" noRot="1" noChangeAspect="1"/>
+          </p:cNvSpPr>
+          <p:nvPr>
+            <p:ph type="sldImg" idx="2"/>
+          </p:nvPr>
+        </p:nvSpPr>
+        <p:spPr>
+          <a:xfrm>
+            <a:off x="1143000" y="685800"/>
+            <a:ext cx="4572000" cy="3429000"/>
+          </a:xfrm>
+          <a:prstGeom prst="rect">
+            <a:avLst/>
+          </a:prstGeom>
+          <a:noFill/>
+          <a:ln w="12700">
+            <a:solidFill>
+              <a:prstClr val="black"/>
+            </a:solidFill>
+          </a:ln>
+        </p:spPr>
+        <p:txBody>
+          <a:bodyPr vert="horz" lIns="91440" tIns="45720" rIns="91440" bIns="45720" rtlCol="0" anchor="ctr"/>
+          <a:lstStyle/>
+          <a:p>
+            <a:endParaRPr lang="en-IN"/>
+          </a:p>
+        </p:txBody>
+      </p:sp>
+      <p:sp>
+        <p:nvSpPr>
+          <p:cNvPr id="5" name="Notes Placeholder 4"/>
+          <p:cNvSpPr>
+            <a:spLocks noGrp="1"/>
+          </p:cNvSpPr>
+          <p:nvPr>
+            <p:ph type="body" sz="quarter" idx="3"/>
+          </p:nvPr>
+        </p:nvSpPr>
+        <p:spPr>
+          <a:xfrm>
+            <a:off x="685800" y="4343400"/>
+            <a:ext cx="5486400" cy="4114800"/>
+          </a:xfrm>
+          <a:prstGeom prst="rect">
+            <a:avLst/>
+          </a:prstGeom>
+        </p:spPr>
+        <p:txBody>
+          <a:bodyPr vert="horz" lIns="91440" tIns="45720" rIns="91440" bIns="45720" rtlCol="0">
+            <a:normAutofit/>
+          </a:bodyPr>
+          <a:lstStyle/>
+          <a:p>
+            <a:pPr lvl="0"/>
+            <a:r>
+              <a:rPr lang="en-US" smtClean="0"/>
+              <a:t>Click to edit Master text styles</a:t>
+            </a:r>
+          </a:p>
+          <a:p>
+            <a:pPr lvl="1"/>
+            <a:r>
+              <a:rPr lang="en-US" smtClean="0"/>
+              <a:t>Second level</a:t>
+            </a:r>
+          </a:p>
+          <a:p>
+            <a:pPr lvl="2"/>
+            <a:r>
+              <a:rPr lang="en-US" smtClean="0"/>
+              <a:t>Third level</a:t>
+            </a:r>
+          </a:p>
+          <a:p>
+            <a:pPr lvl="3"/>
+            <a:r>
+              <a:rPr lang="en-US" smtClean="0"/>
+              <a:t>Fourth level</a:t>
+            </a:r>
+          </a:p>
+          <a:p>
+            <a:pPr lvl="4"/>
+            <a:r>
+              <a:rPr lang="en-US" smtClean="0"/>
+              <a:t>Fifth level</a:t>
+            </a:r>
+            <a:endParaRPr lang="en-IN"/>
+          </a:p>
+        </p:txBody>
+      </p:sp>
+      <p:sp>
+        <p:nvSpPr>
+          <p:cNvPr id="6" name="Footer Placeholder 5"/>
+          <p:cNvSpPr>
+            <a:spLocks noGrp="1"/>
+          </p:cNvSpPr>
+          <p:nvPr>
+            <p:ph type="ftr" sz="quarter" idx="4"/>
+          </p:nvPr>
+        </p:nvSpPr>
+        <p:spPr>
+          <a:xfrm>
+            <a:off x="0" y="8685213"/>
+            <a:ext cx="2971800" cy="457200"/>
+          </a:xfrm>
+          <a:prstGeom prst="rect">
+            <a:avLst/>
+          </a:prstGeom>
+        </p:spPr>
+        <p:txBody>
+          <a:bodyPr vert="horz" lIns="91440" tIns="45720" rIns="91440" bIns="45720" rtlCol="0" anchor="b"/>
+          <a:lstStyle>
+            <a:lvl1pPr algn="l">
+              <a:defRPr sz="1200"/>
+            </a:lvl1pPr>
+          </a:lstStyle>
+          <a:p>
+            <a:endParaRPr lang="en-IN"/>
+          </a:p>
+        </p:txBody>
+      </p:sp>
+      <p:sp>
+        <p:nvSpPr>
+          <p:cNvPr id="7" name="Slide Number Placeholder 6"/>
+          <p:cNvSpPr>
+            <a:spLocks noGrp="1"/>
+          </p:cNvSpPr>
+          <p:nvPr>
+            <p:ph type="sldNum" sz="quarter" idx="5"/>
+          </p:nvPr>
+        </p:nvSpPr>
+        <p:spPr>
+          <a:xfrm>
+            <a:off x="3884613" y="8685213"/>
+            <a:ext cx="2971800" cy="457200"/>
+          </a:xfrm>
+          <a:prstGeom prst="rect">
+            <a:avLst/>
+          </a:prstGeom>
+        </p:spPr>
+        <p:txBody>
+          <a:bodyPr vert="horz" lIns="91440" tIns="45720" rIns="91440" bIns="45720" rtlCol="0" anchor="b"/>
+          <a:lstStyle>
+            <a:lvl1pPr algn="r">
+              <a:defRPr sz="1200"/>
+            </a:lvl1pPr>
+          </a:lstStyle>
+          <a:p>
+            <a:fld id="{9E5D2D5B-94FC-48DB-8907-4CFFF3DAA9F0}" type="slidenum">
+              <a:rPr lang="en-IN" smtClean="0"/>
+              <a:t>‹#›</a:t>
+            </a:fld>
+            <a:endParaRPr lang="en-IN"/>
+          </a:p>
+        </p:txBody>
+      </p:sp>
+    </p:spTree>
+  </p:cSld>
+  <p:clrMap bg1="lt1" tx1="dk1" bg2="lt2" tx2="dk2" accent1="accent1" accent2="accent2" accent3="accent3" accent4="accent4" accent5="accent5" accent6="accent6" hlink="hlink" folHlink="folHlink"/>
+  <p:notesStyle>
+    <a:lvl1pPr marL="0" algn="l" defTabSz="914400" rtl="0" eaLnBrk="1" latinLnBrk="0" hangingPunct="1">
+      <a:defRPr sz="1200" kern="1200">
+        <a:solidFill>
+          <a:schemeClr val="tx1"/>
+        </a:solidFill>
+        <a:latin typeface="+mn-lt"/>
+        <a:ea typeface="+mn-ea"/>
+        <a:cs typeface="+mn-cs"/>
+      </a:defRPr>
+    </a:lvl1pPr>
+    <a:lvl2pPr marL="457200" algn="l" defTabSz="914400" rtl="0" eaLnBrk="1" latinLnBrk="0" hangingPunct="1">
+      <a:defRPr sz="1200" kern="1200">
+        <a:solidFill>
+          <a:schemeClr val="tx1"/>
+        </a:solidFill>
+        <a:latin typeface="+mn-lt"/>
+        <a:ea typeface="+mn-ea"/>
+        <a:cs typeface="+mn-cs"/>
+      </a:defRPr>
+    </a:lvl2pPr>
+    <a:lvl3pPr marL="914400" algn="l" defTabSz="914400" rtl="0" eaLnBrk="1" latinLnBrk="0" hangingPunct="1">
+      <a:defRPr sz="1200" kern="1200">
+        <a:solidFill>
+          <a:schemeClr val="tx1"/>
+        </a:solidFill>
+        <a:latin typeface="+mn-lt"/>
+        <a:ea typeface="+mn-ea"/>
+        <a:cs typeface="+mn-cs"/>
+      </a:defRPr>
+    </a:lvl3pPr>
+    <a:lvl4pPr marL="1371600" algn="l" defTabSz="914400" rtl="0" eaLnBrk="1" latinLnBrk="0" hangingPunct="1">
+      <a:defRPr sz="1200" kern="1200">
+        <a:solidFill>
+          <a:schemeClr val="tx1"/>
+        </a:solidFill>
+        <a:latin typeface="+mn-lt"/>
+        <a:ea typeface="+mn-ea"/>
+        <a:cs typeface="+mn-cs"/>
+      </a:defRPr>
+    </a:lvl4pPr>
+    <a:lvl5pPr marL="1828800" algn="l" defTabSz="914400" rtl="0" eaLnBrk="1" latinLnBrk="0" hangingPunct="1">
+      <a:defRPr sz="1200" kern="1200">
+        <a:solidFill>
+          <a:schemeClr val="tx1"/>
+        </a:solidFill>
+        <a:latin typeface="+mn-lt"/>
+        <a:ea typeface="+mn-ea"/>
+        <a:cs typeface="+mn-cs"/>
+      </a:defRPr>
+    </a:lvl5pPr>
+    <a:lvl6pPr marL="2286000" algn="l" defTabSz="914400" rtl="0" eaLnBrk="1" latinLnBrk="0" hangingPunct="1">
+      <a:defRPr sz="1200" kern="1200">
+        <a:solidFill>
+          <a:schemeClr val="tx1"/>
+        </a:solidFill>
+        <a:latin typeface="+mn-lt"/>
+        <a:ea typeface="+mn-ea"/>
+        <a:cs typeface="+mn-cs"/>
+      </a:defRPr>
+    </a:lvl6pPr>
+    <a:lvl7pPr marL="2743200" algn="l" defTabSz="914400" rtl="0" eaLnBrk="1" latinLnBrk="0" hangingPunct="1">
+      <a:defRPr sz="1200" kern="1200">
+        <a:solidFill>
+          <a:schemeClr val="tx1"/>
+        </a:solidFill>
+        <a:latin typeface="+mn-lt"/>
+        <a:ea typeface="+mn-ea"/>
+        <a:cs typeface="+mn-cs"/>
+      </a:defRPr>
+    </a:lvl7pPr>
+    <a:lvl8pPr marL="3200400" algn="l" defTabSz="914400" rtl="0" eaLnBrk="1" latinLnBrk="0" hangingPunct="1">
+      <a:defRPr sz="1200" kern="1200">
+        <a:solidFill>
+          <a:schemeClr val="tx1"/>
+        </a:solidFill>
+        <a:latin typeface="+mn-lt"/>
+        <a:ea typeface="+mn-ea"/>
+        <a:cs typeface="+mn-cs"/>
+      </a:defRPr>
+    </a:lvl8pPr>
+    <a:lvl9pPr marL="3657600" algn="l" defTabSz="914400" rtl="0" eaLnBrk="1" latinLnBrk="0" hangingPunct="1">
+      <a:defRPr sz="1200" kern="1200">
+        <a:solidFill>
+          <a:schemeClr val="tx1"/>
+        </a:solidFill>
+        <a:latin typeface="+mn-lt"/>
+        <a:ea typeface="+mn-ea"/>
+        <a:cs typeface="+mn-cs"/>
+      </a:defRPr>
+    </a:lvl9pPr>
+  </p:notesStyle>
+</p:notesMaster>
+</file>
+
+<file path=ppt/notesSlides/notesSlide1.xml><?xml version="1.0" encoding="utf-8"?>
+<p:notes xmlns:a="http://schemas.openxmlformats.org/drawingml/2006/main" xmlns:r="http://schemas.openxmlformats.org/officeDocument/2006/relationships" xmlns:p="http://schemas.openxmlformats.org/presentationml/2006/main">
+  <p:cSld>
+    <p:spTree>
+      <p:nvGrpSpPr>
+        <p:cNvPr id="1" name=""/>
+        <p:cNvGrpSpPr/>
+        <p:nvPr/>
+      </p:nvGrpSpPr>
+      <p:grpSpPr>
+        <a:xfrm>
+          <a:off x="0" y="0"/>
+          <a:ext cx="0" cy="0"/>
+          <a:chOff x="0" y="0"/>
+          <a:chExt cx="0" cy="0"/>
+        </a:xfrm>
+      </p:grpSpPr>
+      <p:sp>
+        <p:nvSpPr>
+          <p:cNvPr id="2" name="Slide Image Placeholder 1"/>
+          <p:cNvSpPr>
+            <a:spLocks noGrp="1" noRot="1" noChangeAspect="1"/>
+          </p:cNvSpPr>
+          <p:nvPr>
+            <p:ph type="sldImg"/>
+          </p:nvPr>
+        </p:nvSpPr>
+        <p:spPr/>
+      </p:sp>
+      <p:sp>
+        <p:nvSpPr>
+          <p:cNvPr id="3" name="Notes Placeholder 2"/>
+          <p:cNvSpPr>
+            <a:spLocks noGrp="1"/>
+          </p:cNvSpPr>
+          <p:nvPr>
+            <p:ph type="body" idx="1"/>
+          </p:nvPr>
+        </p:nvSpPr>
+        <p:spPr/>
+        <p:txBody>
+          <a:bodyPr>
+            <a:normAutofit/>
+          </a:bodyPr>
+          <a:lstStyle/>
+          <a:p>
+            <a:endParaRPr lang="en-IN" dirty="0"/>
+          </a:p>
+        </p:txBody>
+      </p:sp>
+      <p:sp>
+        <p:nvSpPr>
+          <p:cNvPr id="4" name="Slide Number Placeholder 3"/>
+          <p:cNvSpPr>
+            <a:spLocks noGrp="1"/>
+          </p:cNvSpPr>
+          <p:nvPr>
+            <p:ph type="sldNum" sz="quarter" idx="10"/>
+          </p:nvPr>
+        </p:nvSpPr>
+        <p:spPr/>
+        <p:txBody>
+          <a:bodyPr/>
+          <a:lstStyle/>
+          <a:p>
+            <a:fld id="{9E5D2D5B-94FC-48DB-8907-4CFFF3DAA9F0}" type="slidenum">
+              <a:rPr lang="en-IN" smtClean="0"/>
+              <a:t>8</a:t>
+            </a:fld>
+            <a:endParaRPr lang="en-IN"/>
+          </a:p>
+        </p:txBody>
+      </p:sp>
+    </p:spTree>
+  </p:cSld>
+  <p:clrMapOvr>
+    <a:masterClrMapping/>
+  </p:clrMapOvr>
+</p:notes>
+</file>
+
 <file path=ppt/slideLayouts/slideLayout1.xml><?xml version="1.0" encoding="utf-8"?>
 <p:sldLayout xmlns:a="http://schemas.openxmlformats.org/drawingml/2006/main" xmlns:r="http://schemas.openxmlformats.org/officeDocument/2006/relationships" xmlns:p="http://schemas.openxmlformats.org/presentationml/2006/main" showMasterSp="0" type="title" preserve="1">
   <p:cSld name="Title Slide">
@@ -293,7 +725,8 @@
           <a:p>
             <a:fld id="{A29A0126-3179-4529-9515-D2644E678306}" type="datetimeFigureOut">
               <a:rPr lang="en-US" smtClean="0"/>
-              <a:t>6/23/2018</a:t>
+              <a:pPr/>
+              <a:t>6/25/2018</a:t>
             </a:fld>
             <a:endParaRPr lang="en-IN"/>
           </a:p>
@@ -340,6 +773,7 @@
           <a:p>
             <a:fld id="{68EFE430-E46A-4B18-8EF1-8491BE99E421}" type="slidenum">
               <a:rPr lang="en-IN" smtClean="0"/>
+              <a:pPr/>
               <a:t>‹#›</a:t>
             </a:fld>
             <a:endParaRPr lang="en-IN"/>
@@ -463,7 +897,8 @@
           <a:p>
             <a:fld id="{A29A0126-3179-4529-9515-D2644E678306}" type="datetimeFigureOut">
               <a:rPr lang="en-US" smtClean="0"/>
-              <a:t>6/23/2018</a:t>
+              <a:pPr/>
+              <a:t>6/25/2018</a:t>
             </a:fld>
             <a:endParaRPr lang="en-IN"/>
           </a:p>
@@ -505,6 +940,7 @@
           <a:p>
             <a:fld id="{68EFE430-E46A-4B18-8EF1-8491BE99E421}" type="slidenum">
               <a:rPr lang="en-IN" smtClean="0"/>
+              <a:pPr/>
               <a:t>‹#›</a:t>
             </a:fld>
             <a:endParaRPr lang="en-IN"/>
@@ -638,7 +1074,8 @@
           <a:p>
             <a:fld id="{A29A0126-3179-4529-9515-D2644E678306}" type="datetimeFigureOut">
               <a:rPr lang="en-US" smtClean="0"/>
-              <a:t>6/23/2018</a:t>
+              <a:pPr/>
+              <a:t>6/25/2018</a:t>
             </a:fld>
             <a:endParaRPr lang="en-IN"/>
           </a:p>
@@ -680,6 +1117,7 @@
           <a:p>
             <a:fld id="{68EFE430-E46A-4B18-8EF1-8491BE99E421}" type="slidenum">
               <a:rPr lang="en-IN" smtClean="0"/>
+              <a:pPr/>
               <a:t>‹#›</a:t>
             </a:fld>
             <a:endParaRPr lang="en-IN"/>
@@ -803,7 +1241,8 @@
           <a:p>
             <a:fld id="{A29A0126-3179-4529-9515-D2644E678306}" type="datetimeFigureOut">
               <a:rPr lang="en-US" smtClean="0"/>
-              <a:t>6/23/2018</a:t>
+              <a:pPr/>
+              <a:t>6/25/2018</a:t>
             </a:fld>
             <a:endParaRPr lang="en-IN"/>
           </a:p>
@@ -855,6 +1294,7 @@
           <a:p>
             <a:fld id="{68EFE430-E46A-4B18-8EF1-8491BE99E421}" type="slidenum">
               <a:rPr lang="en-IN" smtClean="0"/>
+              <a:pPr/>
               <a:t>‹#›</a:t>
             </a:fld>
             <a:endParaRPr lang="en-IN"/>
@@ -1037,7 +1477,8 @@
           <a:p>
             <a:fld id="{A29A0126-3179-4529-9515-D2644E678306}" type="datetimeFigureOut">
               <a:rPr lang="en-US" smtClean="0"/>
-              <a:t>6/23/2018</a:t>
+              <a:pPr/>
+              <a:t>6/25/2018</a:t>
             </a:fld>
             <a:endParaRPr lang="en-IN"/>
           </a:p>
@@ -1079,6 +1520,7 @@
           <a:p>
             <a:fld id="{68EFE430-E46A-4B18-8EF1-8491BE99E421}" type="slidenum">
               <a:rPr lang="en-IN" smtClean="0"/>
+              <a:pPr/>
               <a:t>‹#›</a:t>
             </a:fld>
             <a:endParaRPr lang="en-IN"/>
@@ -1333,7 +1775,8 @@
           <a:p>
             <a:fld id="{A29A0126-3179-4529-9515-D2644E678306}" type="datetimeFigureOut">
               <a:rPr lang="en-US" smtClean="0"/>
-              <a:t>6/23/2018</a:t>
+              <a:pPr/>
+              <a:t>6/25/2018</a:t>
             </a:fld>
             <a:endParaRPr lang="en-IN"/>
           </a:p>
@@ -1375,6 +1818,7 @@
           <a:p>
             <a:fld id="{68EFE430-E46A-4B18-8EF1-8491BE99E421}" type="slidenum">
               <a:rPr lang="en-IN" smtClean="0"/>
+              <a:pPr/>
               <a:t>‹#›</a:t>
             </a:fld>
             <a:endParaRPr lang="en-IN"/>
@@ -1717,7 +2161,8 @@
           <a:p>
             <a:fld id="{A29A0126-3179-4529-9515-D2644E678306}" type="datetimeFigureOut">
               <a:rPr lang="en-US" smtClean="0"/>
-              <a:t>6/23/2018</a:t>
+              <a:pPr/>
+              <a:t>6/25/2018</a:t>
             </a:fld>
             <a:endParaRPr lang="en-IN"/>
           </a:p>
@@ -1764,6 +2209,7 @@
           <a:p>
             <a:fld id="{68EFE430-E46A-4B18-8EF1-8491BE99E421}" type="slidenum">
               <a:rPr lang="en-IN" smtClean="0"/>
+              <a:pPr/>
               <a:t>‹#›</a:t>
             </a:fld>
             <a:endParaRPr lang="en-IN"/>
@@ -1890,7 +2336,8 @@
           <a:p>
             <a:fld id="{A29A0126-3179-4529-9515-D2644E678306}" type="datetimeFigureOut">
               <a:rPr lang="en-US" smtClean="0"/>
-              <a:t>6/23/2018</a:t>
+              <a:pPr/>
+              <a:t>6/25/2018</a:t>
             </a:fld>
             <a:endParaRPr lang="en-IN"/>
           </a:p>
@@ -1932,6 +2379,7 @@
           <a:p>
             <a:fld id="{68EFE430-E46A-4B18-8EF1-8491BE99E421}" type="slidenum">
               <a:rPr lang="en-IN" smtClean="0"/>
+              <a:pPr/>
               <a:t>‹#›</a:t>
             </a:fld>
             <a:endParaRPr lang="en-IN"/>
@@ -1980,7 +2428,8 @@
           <a:p>
             <a:fld id="{A29A0126-3179-4529-9515-D2644E678306}" type="datetimeFigureOut">
               <a:rPr lang="en-US" smtClean="0"/>
-              <a:t>6/23/2018</a:t>
+              <a:pPr/>
+              <a:t>6/25/2018</a:t>
             </a:fld>
             <a:endParaRPr lang="en-IN"/>
           </a:p>
@@ -2022,6 +2471,7 @@
           <a:p>
             <a:fld id="{68EFE430-E46A-4B18-8EF1-8491BE99E421}" type="slidenum">
               <a:rPr lang="en-IN" smtClean="0"/>
+              <a:pPr/>
               <a:t>‹#›</a:t>
             </a:fld>
             <a:endParaRPr lang="en-IN"/>
@@ -2275,7 +2725,8 @@
           <a:p>
             <a:fld id="{A29A0126-3179-4529-9515-D2644E678306}" type="datetimeFigureOut">
               <a:rPr lang="en-US" smtClean="0"/>
-              <a:t>6/23/2018</a:t>
+              <a:pPr/>
+              <a:t>6/25/2018</a:t>
             </a:fld>
             <a:endParaRPr lang="en-IN"/>
           </a:p>
@@ -2317,6 +2768,7 @@
           <a:p>
             <a:fld id="{68EFE430-E46A-4B18-8EF1-8491BE99E421}" type="slidenum">
               <a:rPr lang="en-IN" smtClean="0"/>
+              <a:pPr/>
               <a:t>‹#›</a:t>
             </a:fld>
             <a:endParaRPr lang="en-IN"/>
@@ -2409,7 +2861,8 @@
           <a:p>
             <a:fld id="{A29A0126-3179-4529-9515-D2644E678306}" type="datetimeFigureOut">
               <a:rPr lang="en-US" smtClean="0"/>
-              <a:t>6/23/2018</a:t>
+              <a:pPr/>
+              <a:t>6/25/2018</a:t>
             </a:fld>
             <a:endParaRPr lang="en-IN"/>
           </a:p>
@@ -2451,6 +2904,7 @@
           <a:p>
             <a:fld id="{68EFE430-E46A-4B18-8EF1-8491BE99E421}" type="slidenum">
               <a:rPr lang="en-IN" smtClean="0"/>
+              <a:pPr/>
               <a:t>‹#›</a:t>
             </a:fld>
             <a:endParaRPr lang="en-IN"/>
@@ -2712,7 +3166,8 @@
           <a:p>
             <a:fld id="{A29A0126-3179-4529-9515-D2644E678306}" type="datetimeFigureOut">
               <a:rPr lang="en-US" smtClean="0"/>
-              <a:t>6/23/2018</a:t>
+              <a:pPr/>
+              <a:t>6/25/2018</a:t>
             </a:fld>
             <a:endParaRPr lang="en-IN"/>
           </a:p>
@@ -2790,6 +3245,7 @@
           <a:p>
             <a:fld id="{68EFE430-E46A-4B18-8EF1-8491BE99E421}" type="slidenum">
               <a:rPr lang="en-IN" smtClean="0"/>
+              <a:pPr/>
               <a:t>‹#›</a:t>
             </a:fld>
             <a:endParaRPr lang="en-IN"/>
@@ -3363,7 +3819,7 @@
           <a:p>
             <a:r>
               <a:rPr lang="en-US" dirty="0" smtClean="0"/>
-              <a:t>Result Screen</a:t>
+              <a:t>GAME SCREEN (SPEECH)</a:t>
             </a:r>
             <a:endParaRPr lang="en-IN" dirty="0"/>
           </a:p>
@@ -3371,7 +3827,7 @@
       </p:sp>
       <p:pic>
         <p:nvPicPr>
-          <p:cNvPr id="4098" name="Picture 2"/>
+          <p:cNvPr id="2050" name="Picture 2"/>
           <p:cNvPicPr>
             <a:picLocks noGrp="1" noChangeAspect="1" noChangeArrowheads="1"/>
           </p:cNvPicPr>
@@ -3381,15 +3837,15 @@
         </p:nvPicPr>
         <p:blipFill>
           <a:blip r:embed="rId2"/>
-          <a:srcRect l="21296" t="16001" r="18519" b="11507"/>
+          <a:srcRect l="33743" t="9435" r="35549"/>
           <a:stretch>
             <a:fillRect/>
           </a:stretch>
         </p:blipFill>
         <p:spPr bwMode="auto">
           <a:xfrm>
-            <a:off x="228600" y="2057400"/>
-            <a:ext cx="4481285" cy="3276600"/>
+            <a:off x="1600200" y="1524000"/>
+            <a:ext cx="2590800" cy="4098925"/>
           </a:xfrm>
           <a:prstGeom prst="rect">
             <a:avLst/>
@@ -3404,51 +3860,131 @@
           <a:effectLst/>
         </p:spPr>
       </p:pic>
-      <p:pic>
-        <p:nvPicPr>
-          <p:cNvPr id="4099" name="Picture 3"/>
-          <p:cNvPicPr>
-            <a:picLocks noChangeAspect="1" noChangeArrowheads="1"/>
-          </p:cNvPicPr>
+      <p:sp>
+        <p:nvSpPr>
+          <p:cNvPr id="5" name="TextBox 4"/>
+          <p:cNvSpPr txBox="1"/>
           <p:nvPr/>
-        </p:nvPicPr>
-        <p:blipFill>
-          <a:blip r:embed="rId3"/>
-          <a:srcRect l="24375" t="11553" r="19375" b="12718"/>
-          <a:stretch>
-            <a:fillRect/>
-          </a:stretch>
-        </p:blipFill>
-        <p:spPr bwMode="auto">
-          <a:xfrm>
-            <a:off x="4876800" y="1828800"/>
-            <a:ext cx="3962400" cy="3434080"/>
+        </p:nvSpPr>
+        <p:spPr>
+          <a:xfrm flipH="1">
+            <a:off x="5227319" y="1600200"/>
+            <a:ext cx="1173481" cy="369332"/>
           </a:xfrm>
           <a:prstGeom prst="rect">
             <a:avLst/>
           </a:prstGeom>
           <a:noFill/>
-          <a:ln w="9525">
-            <a:noFill/>
-            <a:miter lim="800000"/>
-            <a:headEnd/>
-            <a:tailEnd/>
-          </a:ln>
-          <a:effectLst/>
-        </p:spPr>
-      </p:pic>
+        </p:spPr>
+        <p:txBody>
+          <a:bodyPr wrap="square" rtlCol="0">
+            <a:spAutoFit/>
+          </a:bodyPr>
+          <a:lstStyle/>
+          <a:p>
+            <a:r>
+              <a:rPr lang="en-US" dirty="0" smtClean="0"/>
+              <a:t>Header</a:t>
+            </a:r>
+            <a:endParaRPr lang="en-IN" dirty="0"/>
+          </a:p>
+        </p:txBody>
+      </p:sp>
+      <p:sp>
+        <p:nvSpPr>
+          <p:cNvPr id="6" name="TextBox 5"/>
+          <p:cNvSpPr txBox="1"/>
+          <p:nvPr/>
+        </p:nvSpPr>
+        <p:spPr>
+          <a:xfrm>
+            <a:off x="5334000" y="2743200"/>
+            <a:ext cx="890693" cy="369332"/>
+          </a:xfrm>
+          <a:prstGeom prst="rect">
+            <a:avLst/>
+          </a:prstGeom>
+          <a:noFill/>
+        </p:spPr>
+        <p:txBody>
+          <a:bodyPr wrap="none" rtlCol="0">
+            <a:spAutoFit/>
+          </a:bodyPr>
+          <a:lstStyle/>
+          <a:p>
+            <a:r>
+              <a:rPr lang="en-US" dirty="0" smtClean="0"/>
+              <a:t>Canvas</a:t>
+            </a:r>
+            <a:endParaRPr lang="en-IN" dirty="0"/>
+          </a:p>
+        </p:txBody>
+      </p:sp>
+      <p:sp>
+        <p:nvSpPr>
+          <p:cNvPr id="7" name="TextBox 6"/>
+          <p:cNvSpPr txBox="1"/>
+          <p:nvPr/>
+        </p:nvSpPr>
+        <p:spPr>
+          <a:xfrm>
+            <a:off x="5486400" y="3962400"/>
+            <a:ext cx="1281120" cy="369332"/>
+          </a:xfrm>
+          <a:prstGeom prst="rect">
+            <a:avLst/>
+          </a:prstGeom>
+          <a:noFill/>
+        </p:spPr>
+        <p:txBody>
+          <a:bodyPr wrap="none" rtlCol="0">
+            <a:spAutoFit/>
+          </a:bodyPr>
+          <a:lstStyle/>
+          <a:p>
+            <a:r>
+              <a:rPr lang="en-US" dirty="0" smtClean="0"/>
+              <a:t>Speech API</a:t>
+            </a:r>
+            <a:endParaRPr lang="en-IN" dirty="0"/>
+          </a:p>
+        </p:txBody>
+      </p:sp>
+      <p:sp>
+        <p:nvSpPr>
+          <p:cNvPr id="8" name="TextBox 7"/>
+          <p:cNvSpPr txBox="1"/>
+          <p:nvPr/>
+        </p:nvSpPr>
+        <p:spPr>
+          <a:xfrm>
+            <a:off x="5486400" y="4953000"/>
+            <a:ext cx="2172133" cy="369332"/>
+          </a:xfrm>
+          <a:prstGeom prst="rect">
+            <a:avLst/>
+          </a:prstGeom>
+          <a:noFill/>
+        </p:spPr>
+        <p:txBody>
+          <a:bodyPr wrap="none" rtlCol="0">
+            <a:spAutoFit/>
+          </a:bodyPr>
+          <a:lstStyle/>
+          <a:p>
+            <a:r>
+              <a:rPr lang="en-US" smtClean="0"/>
+              <a:t>Submit/Clear button</a:t>
+            </a:r>
+            <a:endParaRPr lang="en-IN"/>
+          </a:p>
+        </p:txBody>
+      </p:sp>
     </p:spTree>
   </p:cSld>
   <p:clrMapOvr>
     <a:masterClrMapping/>
   </p:clrMapOvr>
-  <p:timing>
-    <p:tnLst>
-      <p:par>
-        <p:cTn id="1" dur="indefinite" restart="never" nodeType="tmRoot"/>
-      </p:par>
-    </p:tnLst>
-  </p:timing>
 </p:sld>
 </file>
 
@@ -3486,7 +4022,7 @@
           <a:p>
             <a:r>
               <a:rPr lang="en-US" dirty="0" smtClean="0"/>
-              <a:t>Final Screen</a:t>
+              <a:t>Result Screen</a:t>
             </a:r>
             <a:endParaRPr lang="en-IN" dirty="0"/>
           </a:p>
@@ -3494,7 +4030,7 @@
       </p:sp>
       <p:pic>
         <p:nvPicPr>
-          <p:cNvPr id="5122" name="Picture 2"/>
+          <p:cNvPr id="4098" name="Picture 2"/>
           <p:cNvPicPr>
             <a:picLocks noGrp="1" noChangeAspect="1" noChangeArrowheads="1"/>
           </p:cNvPicPr>
@@ -3504,15 +4040,48 @@
         </p:nvPicPr>
         <p:blipFill>
           <a:blip r:embed="rId2"/>
-          <a:srcRect l="11111" t="6904" r="12037" b="8522"/>
+          <a:srcRect l="21296" t="16001" r="18519" b="11507"/>
           <a:stretch>
             <a:fillRect/>
           </a:stretch>
         </p:blipFill>
         <p:spPr bwMode="auto">
           <a:xfrm>
-            <a:off x="381000" y="1524000"/>
-            <a:ext cx="6324600" cy="3733800"/>
+            <a:off x="228600" y="2057400"/>
+            <a:ext cx="4481285" cy="3276600"/>
+          </a:xfrm>
+          <a:prstGeom prst="rect">
+            <a:avLst/>
+          </a:prstGeom>
+          <a:noFill/>
+          <a:ln w="9525">
+            <a:noFill/>
+            <a:miter lim="800000"/>
+            <a:headEnd/>
+            <a:tailEnd/>
+          </a:ln>
+          <a:effectLst/>
+        </p:spPr>
+      </p:pic>
+      <p:pic>
+        <p:nvPicPr>
+          <p:cNvPr id="4099" name="Picture 3"/>
+          <p:cNvPicPr>
+            <a:picLocks noChangeAspect="1" noChangeArrowheads="1"/>
+          </p:cNvPicPr>
+          <p:nvPr/>
+        </p:nvPicPr>
+        <p:blipFill>
+          <a:blip r:embed="rId3"/>
+          <a:srcRect l="24375" t="11553" r="19375" b="12718"/>
+          <a:stretch>
+            <a:fillRect/>
+          </a:stretch>
+        </p:blipFill>
+        <p:spPr bwMode="auto">
+          <a:xfrm>
+            <a:off x="4876800" y="1828800"/>
+            <a:ext cx="3962400" cy="3434080"/>
           </a:xfrm>
           <a:prstGeom prst="rect">
             <a:avLst/>
@@ -3561,6 +4130,96 @@
       </p:grpSpPr>
       <p:sp>
         <p:nvSpPr>
+          <p:cNvPr id="2" name="Title 1"/>
+          <p:cNvSpPr>
+            <a:spLocks noGrp="1"/>
+          </p:cNvSpPr>
+          <p:nvPr>
+            <p:ph type="title"/>
+          </p:nvPr>
+        </p:nvSpPr>
+        <p:spPr/>
+        <p:txBody>
+          <a:bodyPr/>
+          <a:lstStyle/>
+          <a:p>
+            <a:r>
+              <a:rPr lang="en-US" dirty="0" smtClean="0"/>
+              <a:t>Final Screen</a:t>
+            </a:r>
+            <a:endParaRPr lang="en-IN" dirty="0"/>
+          </a:p>
+        </p:txBody>
+      </p:sp>
+      <p:pic>
+        <p:nvPicPr>
+          <p:cNvPr id="5122" name="Picture 2"/>
+          <p:cNvPicPr>
+            <a:picLocks noGrp="1" noChangeAspect="1" noChangeArrowheads="1"/>
+          </p:cNvPicPr>
+          <p:nvPr>
+            <p:ph idx="1"/>
+          </p:nvPr>
+        </p:nvPicPr>
+        <p:blipFill>
+          <a:blip r:embed="rId2"/>
+          <a:srcRect l="11111" t="6904" r="12037" b="8522"/>
+          <a:stretch>
+            <a:fillRect/>
+          </a:stretch>
+        </p:blipFill>
+        <p:spPr bwMode="auto">
+          <a:xfrm>
+            <a:off x="381000" y="1524000"/>
+            <a:ext cx="6324600" cy="3733800"/>
+          </a:xfrm>
+          <a:prstGeom prst="rect">
+            <a:avLst/>
+          </a:prstGeom>
+          <a:noFill/>
+          <a:ln w="9525">
+            <a:noFill/>
+            <a:miter lim="800000"/>
+            <a:headEnd/>
+            <a:tailEnd/>
+          </a:ln>
+          <a:effectLst/>
+        </p:spPr>
+      </p:pic>
+    </p:spTree>
+  </p:cSld>
+  <p:clrMapOvr>
+    <a:masterClrMapping/>
+  </p:clrMapOvr>
+  <p:timing>
+    <p:tnLst>
+      <p:par>
+        <p:cTn id="1" dur="indefinite" restart="never" nodeType="tmRoot"/>
+      </p:par>
+    </p:tnLst>
+  </p:timing>
+</p:sld>
+</file>
+
+<file path=ppt/slides/slide13.xml><?xml version="1.0" encoding="utf-8"?>
+<p:sld xmlns:a="http://schemas.openxmlformats.org/drawingml/2006/main" xmlns:r="http://schemas.openxmlformats.org/officeDocument/2006/relationships" xmlns:p="http://schemas.openxmlformats.org/presentationml/2006/main">
+  <p:cSld>
+    <p:spTree>
+      <p:nvGrpSpPr>
+        <p:cNvPr id="1" name=""/>
+        <p:cNvGrpSpPr/>
+        <p:nvPr/>
+      </p:nvGrpSpPr>
+      <p:grpSpPr>
+        <a:xfrm>
+          <a:off x="0" y="0"/>
+          <a:ext cx="0" cy="0"/>
+          <a:chOff x="0" y="0"/>
+          <a:chExt cx="0" cy="0"/>
+        </a:xfrm>
+      </p:grpSpPr>
+      <p:sp>
+        <p:nvSpPr>
           <p:cNvPr id="3" name="Content Placeholder 2"/>
           <p:cNvSpPr>
             <a:spLocks noGrp="1"/>
@@ -3683,11 +4342,7 @@
             </a:r>
             <a:r>
               <a:rPr lang="en-US" dirty="0" smtClean="0"/>
-              <a:t>connect dotted lines, which then reveal a particular animal that the player has to gues</a:t>
-            </a:r>
-            <a:r>
-              <a:rPr lang="en-US" dirty="0" smtClean="0"/>
-              <a:t>s. This can be done through the following ways:</a:t>
+              <a:t>connect dotted lines, which then reveal a particular animal that the player has to guess. This can be done through the following ways:</a:t>
             </a:r>
           </a:p>
           <a:p>
@@ -4175,25 +4830,23 @@
       </p:sp>
       <p:pic>
         <p:nvPicPr>
-          <p:cNvPr id="1027" name="Picture 3"/>
+          <p:cNvPr id="1026" name="Picture 2"/>
           <p:cNvPicPr>
-            <a:picLocks noGrp="1" noChangeAspect="1" noChangeArrowheads="1"/>
+            <a:picLocks noChangeAspect="1" noChangeArrowheads="1"/>
           </p:cNvPicPr>
-          <p:nvPr>
-            <p:ph idx="1"/>
-          </p:nvPr>
+          <p:nvPr/>
         </p:nvPicPr>
         <p:blipFill>
           <a:blip r:embed="rId2"/>
-          <a:srcRect l="11111" t="12082" r="15741" b="46494"/>
+          <a:srcRect l="15625" t="20874" r="15000" b="30194"/>
           <a:stretch>
             <a:fillRect/>
           </a:stretch>
         </p:blipFill>
         <p:spPr bwMode="auto">
           <a:xfrm>
-            <a:off x="1143000" y="1676400"/>
-            <a:ext cx="7010400" cy="2895600"/>
+            <a:off x="381000" y="1828800"/>
+            <a:ext cx="8458200" cy="3200400"/>
           </a:xfrm>
           <a:prstGeom prst="rect">
             <a:avLst/>
@@ -4208,6 +4861,30 @@
           <a:effectLst/>
         </p:spPr>
       </p:pic>
+      <p:sp>
+        <p:nvSpPr>
+          <p:cNvPr id="6" name="Content Placeholder 4"/>
+          <p:cNvSpPr>
+            <a:spLocks noGrp="1"/>
+          </p:cNvSpPr>
+          <p:nvPr>
+            <p:ph idx="1"/>
+          </p:nvPr>
+        </p:nvSpPr>
+        <p:spPr>
+          <a:xfrm>
+            <a:off x="304800" y="1554162"/>
+            <a:ext cx="8686800" cy="4525963"/>
+          </a:xfrm>
+        </p:spPr>
+        <p:txBody>
+          <a:bodyPr/>
+          <a:lstStyle/>
+          <a:p>
+            <a:endParaRPr lang="en-IN" dirty="0"/>
+          </a:p>
+        </p:txBody>
+      </p:sp>
     </p:spTree>
   </p:cSld>
   <p:clrMapOvr>
@@ -4263,27 +4940,149 @@
           </a:p>
         </p:txBody>
       </p:sp>
+      <p:sp>
+        <p:nvSpPr>
+          <p:cNvPr id="10" name="TextBox 9"/>
+          <p:cNvSpPr txBox="1"/>
+          <p:nvPr/>
+        </p:nvSpPr>
+        <p:spPr>
+          <a:xfrm>
+            <a:off x="7467600" y="1676400"/>
+            <a:ext cx="1295400" cy="369332"/>
+          </a:xfrm>
+          <a:prstGeom prst="rect">
+            <a:avLst/>
+          </a:prstGeom>
+          <a:noFill/>
+        </p:spPr>
+        <p:txBody>
+          <a:bodyPr wrap="square" rtlCol="0">
+            <a:spAutoFit/>
+          </a:bodyPr>
+          <a:lstStyle/>
+          <a:p>
+            <a:r>
+              <a:rPr lang="en-US" dirty="0" smtClean="0"/>
+              <a:t>Header</a:t>
+            </a:r>
+            <a:endParaRPr lang="en-IN" dirty="0"/>
+          </a:p>
+        </p:txBody>
+      </p:sp>
+      <p:sp>
+        <p:nvSpPr>
+          <p:cNvPr id="12" name="TextBox 11"/>
+          <p:cNvSpPr txBox="1"/>
+          <p:nvPr/>
+        </p:nvSpPr>
+        <p:spPr>
+          <a:xfrm>
+            <a:off x="7467600" y="3200400"/>
+            <a:ext cx="1219200" cy="369332"/>
+          </a:xfrm>
+          <a:prstGeom prst="rect">
+            <a:avLst/>
+          </a:prstGeom>
+          <a:noFill/>
+        </p:spPr>
+        <p:txBody>
+          <a:bodyPr wrap="square" rtlCol="0">
+            <a:spAutoFit/>
+          </a:bodyPr>
+          <a:lstStyle/>
+          <a:p>
+            <a:r>
+              <a:rPr lang="en-US" dirty="0" smtClean="0"/>
+              <a:t>Canvas</a:t>
+            </a:r>
+            <a:endParaRPr lang="en-IN" dirty="0"/>
+          </a:p>
+        </p:txBody>
+      </p:sp>
+      <p:sp>
+        <p:nvSpPr>
+          <p:cNvPr id="13" name="TextBox 12"/>
+          <p:cNvSpPr txBox="1"/>
+          <p:nvPr/>
+        </p:nvSpPr>
+        <p:spPr>
+          <a:xfrm>
+            <a:off x="7391400" y="5029200"/>
+            <a:ext cx="1548822" cy="369332"/>
+          </a:xfrm>
+          <a:prstGeom prst="rect">
+            <a:avLst/>
+          </a:prstGeom>
+          <a:noFill/>
+        </p:spPr>
+        <p:txBody>
+          <a:bodyPr wrap="none" rtlCol="0">
+            <a:spAutoFit/>
+          </a:bodyPr>
+          <a:lstStyle/>
+          <a:p>
+            <a:r>
+              <a:rPr lang="en-US" dirty="0" smtClean="0"/>
+              <a:t>Radio Options</a:t>
+            </a:r>
+            <a:endParaRPr lang="en-IN" dirty="0"/>
+          </a:p>
+        </p:txBody>
+      </p:sp>
+      <p:sp>
+        <p:nvSpPr>
+          <p:cNvPr id="14" name="TextBox 13"/>
+          <p:cNvSpPr txBox="1"/>
+          <p:nvPr/>
+        </p:nvSpPr>
+        <p:spPr>
+          <a:xfrm>
+            <a:off x="3048000" y="5943600"/>
+            <a:ext cx="2362200" cy="369332"/>
+          </a:xfrm>
+          <a:prstGeom prst="rect">
+            <a:avLst/>
+          </a:prstGeom>
+          <a:noFill/>
+        </p:spPr>
+        <p:txBody>
+          <a:bodyPr wrap="square" rtlCol="0">
+            <a:spAutoFit/>
+          </a:bodyPr>
+          <a:lstStyle/>
+          <a:p>
+            <a:r>
+              <a:rPr lang="en-US" dirty="0" smtClean="0"/>
+              <a:t>Submit/Clear </a:t>
+            </a:r>
+            <a:r>
+              <a:rPr lang="en-US" dirty="0" smtClean="0"/>
+              <a:t>Button</a:t>
+            </a:r>
+            <a:endParaRPr lang="en-IN" dirty="0"/>
+          </a:p>
+        </p:txBody>
+      </p:sp>
       <p:pic>
         <p:nvPicPr>
-          <p:cNvPr id="2052" name="Picture 4"/>
+          <p:cNvPr id="1026" name="Picture 2"/>
           <p:cNvPicPr>
-            <a:picLocks noGrp="1" noChangeAspect="1" noChangeArrowheads="1"/>
+            <a:picLocks noChangeAspect="1" noChangeArrowheads="1"/>
           </p:cNvPicPr>
-          <p:nvPr>
-            <p:ph idx="1"/>
-          </p:nvPr>
+          <p:nvPr/>
         </p:nvPicPr>
         <p:blipFill>
-          <a:blip r:embed="rId2"/>
-          <a:srcRect l="19101" t="7849" r="17978"/>
+          <a:blip r:embed="rId3"/>
+          <a:srcRect t="10485" b="4466"/>
           <a:stretch>
             <a:fillRect/>
           </a:stretch>
         </p:blipFill>
         <p:spPr bwMode="auto">
           <a:xfrm>
-            <a:off x="381000" y="1600200"/>
-            <a:ext cx="6477000" cy="4114601"/>
+            <a:off x="533400" y="1447800"/>
+            <a:ext cx="6096000" cy="4191000"/>
           </a:xfrm>
           <a:prstGeom prst="rect">
             <a:avLst/>
@@ -4298,126 +5097,6 @@
           <a:effectLst/>
         </p:spPr>
       </p:pic>
-      <p:sp>
-        <p:nvSpPr>
-          <p:cNvPr id="10" name="TextBox 9"/>
-          <p:cNvSpPr txBox="1"/>
-          <p:nvPr/>
-        </p:nvSpPr>
-        <p:spPr>
-          <a:xfrm>
-            <a:off x="7467600" y="1676400"/>
-            <a:ext cx="1295400" cy="369332"/>
-          </a:xfrm>
-          <a:prstGeom prst="rect">
-            <a:avLst/>
-          </a:prstGeom>
-          <a:noFill/>
-        </p:spPr>
-        <p:txBody>
-          <a:bodyPr wrap="square" rtlCol="0">
-            <a:spAutoFit/>
-          </a:bodyPr>
-          <a:lstStyle/>
-          <a:p>
-            <a:r>
-              <a:rPr lang="en-US" dirty="0" smtClean="0"/>
-              <a:t>Header</a:t>
-            </a:r>
-            <a:endParaRPr lang="en-IN" dirty="0"/>
-          </a:p>
-        </p:txBody>
-      </p:sp>
-      <p:sp>
-        <p:nvSpPr>
-          <p:cNvPr id="12" name="TextBox 11"/>
-          <p:cNvSpPr txBox="1"/>
-          <p:nvPr/>
-        </p:nvSpPr>
-        <p:spPr>
-          <a:xfrm>
-            <a:off x="7467600" y="3200400"/>
-            <a:ext cx="1219200" cy="369332"/>
-          </a:xfrm>
-          <a:prstGeom prst="rect">
-            <a:avLst/>
-          </a:prstGeom>
-          <a:noFill/>
-        </p:spPr>
-        <p:txBody>
-          <a:bodyPr wrap="square" rtlCol="0">
-            <a:spAutoFit/>
-          </a:bodyPr>
-          <a:lstStyle/>
-          <a:p>
-            <a:r>
-              <a:rPr lang="en-US" dirty="0" smtClean="0"/>
-              <a:t>Canvas</a:t>
-            </a:r>
-            <a:endParaRPr lang="en-IN" dirty="0"/>
-          </a:p>
-        </p:txBody>
-      </p:sp>
-      <p:sp>
-        <p:nvSpPr>
-          <p:cNvPr id="13" name="TextBox 12"/>
-          <p:cNvSpPr txBox="1"/>
-          <p:nvPr/>
-        </p:nvSpPr>
-        <p:spPr>
-          <a:xfrm>
-            <a:off x="7391400" y="5029200"/>
-            <a:ext cx="1548822" cy="369332"/>
-          </a:xfrm>
-          <a:prstGeom prst="rect">
-            <a:avLst/>
-          </a:prstGeom>
-          <a:noFill/>
-        </p:spPr>
-        <p:txBody>
-          <a:bodyPr wrap="none" rtlCol="0">
-            <a:spAutoFit/>
-          </a:bodyPr>
-          <a:lstStyle/>
-          <a:p>
-            <a:r>
-              <a:rPr lang="en-US" dirty="0" smtClean="0"/>
-              <a:t>Radio Options</a:t>
-            </a:r>
-            <a:endParaRPr lang="en-IN" dirty="0"/>
-          </a:p>
-        </p:txBody>
-      </p:sp>
-      <p:sp>
-        <p:nvSpPr>
-          <p:cNvPr id="14" name="TextBox 13"/>
-          <p:cNvSpPr txBox="1"/>
-          <p:nvPr/>
-        </p:nvSpPr>
-        <p:spPr>
-          <a:xfrm>
-            <a:off x="3048000" y="5943600"/>
-            <a:ext cx="1752600" cy="369332"/>
-          </a:xfrm>
-          <a:prstGeom prst="rect">
-            <a:avLst/>
-          </a:prstGeom>
-          <a:noFill/>
-        </p:spPr>
-        <p:txBody>
-          <a:bodyPr wrap="square" rtlCol="0">
-            <a:spAutoFit/>
-          </a:bodyPr>
-          <a:lstStyle/>
-          <a:p>
-            <a:r>
-              <a:rPr lang="en-US" dirty="0" smtClean="0"/>
-              <a:t>Submit Button</a:t>
-            </a:r>
-            <a:endParaRPr lang="en-IN" dirty="0"/>
-          </a:p>
-        </p:txBody>
-      </p:sp>
     </p:spTree>
   </p:cSld>
   <p:clrMapOvr>
@@ -4473,9 +5152,133 @@
           </a:p>
         </p:txBody>
       </p:sp>
+      <p:sp>
+        <p:nvSpPr>
+          <p:cNvPr id="6" name="TextBox 5"/>
+          <p:cNvSpPr txBox="1"/>
+          <p:nvPr/>
+        </p:nvSpPr>
+        <p:spPr>
+          <a:xfrm>
+            <a:off x="7391400" y="1447800"/>
+            <a:ext cx="1219200" cy="369332"/>
+          </a:xfrm>
+          <a:prstGeom prst="rect">
+            <a:avLst/>
+          </a:prstGeom>
+          <a:noFill/>
+        </p:spPr>
+        <p:txBody>
+          <a:bodyPr wrap="square" rtlCol="0">
+            <a:spAutoFit/>
+          </a:bodyPr>
+          <a:lstStyle/>
+          <a:p>
+            <a:r>
+              <a:rPr lang="en-US" dirty="0" smtClean="0"/>
+              <a:t>Header</a:t>
+            </a:r>
+            <a:endParaRPr lang="en-IN" dirty="0"/>
+          </a:p>
+        </p:txBody>
+      </p:sp>
+      <p:sp>
+        <p:nvSpPr>
+          <p:cNvPr id="7" name="TextBox 6"/>
+          <p:cNvSpPr txBox="1"/>
+          <p:nvPr/>
+        </p:nvSpPr>
+        <p:spPr>
+          <a:xfrm>
+            <a:off x="7315200" y="3124200"/>
+            <a:ext cx="1295400" cy="369332"/>
+          </a:xfrm>
+          <a:prstGeom prst="rect">
+            <a:avLst/>
+          </a:prstGeom>
+          <a:noFill/>
+        </p:spPr>
+        <p:txBody>
+          <a:bodyPr wrap="square" rtlCol="0">
+            <a:spAutoFit/>
+          </a:bodyPr>
+          <a:lstStyle/>
+          <a:p>
+            <a:r>
+              <a:rPr lang="en-US" dirty="0" smtClean="0"/>
+              <a:t>Canvas</a:t>
+            </a:r>
+            <a:endParaRPr lang="en-IN" dirty="0"/>
+          </a:p>
+        </p:txBody>
+      </p:sp>
+      <p:sp>
+        <p:nvSpPr>
+          <p:cNvPr id="8" name="TextBox 7"/>
+          <p:cNvSpPr txBox="1"/>
+          <p:nvPr/>
+        </p:nvSpPr>
+        <p:spPr>
+          <a:xfrm>
+            <a:off x="7315200" y="5715000"/>
+            <a:ext cx="1676400" cy="369332"/>
+          </a:xfrm>
+          <a:prstGeom prst="rect">
+            <a:avLst/>
+          </a:prstGeom>
+          <a:noFill/>
+        </p:spPr>
+        <p:txBody>
+          <a:bodyPr wrap="square" rtlCol="0">
+            <a:spAutoFit/>
+          </a:bodyPr>
+          <a:lstStyle/>
+          <a:p>
+            <a:r>
+              <a:rPr lang="en-US" dirty="0" smtClean="0"/>
+              <a:t>Text Entry Field</a:t>
+            </a:r>
+            <a:endParaRPr lang="en-IN" dirty="0"/>
+          </a:p>
+        </p:txBody>
+      </p:sp>
+      <p:sp>
+        <p:nvSpPr>
+          <p:cNvPr id="9" name="TextBox 8"/>
+          <p:cNvSpPr txBox="1"/>
+          <p:nvPr/>
+        </p:nvSpPr>
+        <p:spPr>
+          <a:xfrm>
+            <a:off x="6934200" y="6248400"/>
+            <a:ext cx="2286000" cy="369332"/>
+          </a:xfrm>
+          <a:prstGeom prst="rect">
+            <a:avLst/>
+          </a:prstGeom>
+          <a:noFill/>
+        </p:spPr>
+        <p:txBody>
+          <a:bodyPr wrap="square" rtlCol="0">
+            <a:spAutoFit/>
+          </a:bodyPr>
+          <a:lstStyle/>
+          <a:p>
+            <a:r>
+              <a:rPr lang="en-US" dirty="0" smtClean="0"/>
+              <a:t>Submit/Clear </a:t>
+            </a:r>
+            <a:r>
+              <a:rPr lang="en-US" dirty="0" smtClean="0"/>
+              <a:t>Button</a:t>
+            </a:r>
+            <a:endParaRPr lang="en-IN" dirty="0"/>
+          </a:p>
+        </p:txBody>
+      </p:sp>
       <p:pic>
         <p:nvPicPr>
-          <p:cNvPr id="3075" name="Picture 3"/>
+          <p:cNvPr id="2050" name="Picture 2"/>
           <p:cNvPicPr>
             <a:picLocks noChangeAspect="1" noChangeArrowheads="1"/>
           </p:cNvPicPr>
@@ -4483,15 +5286,15 @@
         </p:nvPicPr>
         <p:blipFill>
           <a:blip r:embed="rId2"/>
-          <a:srcRect l="18750" t="8058" r="18125"/>
+          <a:srcRect l="19375" t="9223" r="16875"/>
           <a:stretch>
             <a:fillRect/>
           </a:stretch>
         </p:blipFill>
         <p:spPr bwMode="auto">
           <a:xfrm>
-            <a:off x="304800" y="1295400"/>
-            <a:ext cx="6629400" cy="5358520"/>
+            <a:off x="381000" y="1600200"/>
+            <a:ext cx="6477000" cy="5105400"/>
           </a:xfrm>
           <a:prstGeom prst="rect">
             <a:avLst/>
@@ -4506,126 +5309,6 @@
           <a:effectLst/>
         </p:spPr>
       </p:pic>
-      <p:sp>
-        <p:nvSpPr>
-          <p:cNvPr id="6" name="TextBox 5"/>
-          <p:cNvSpPr txBox="1"/>
-          <p:nvPr/>
-        </p:nvSpPr>
-        <p:spPr>
-          <a:xfrm>
-            <a:off x="7391400" y="1447800"/>
-            <a:ext cx="1219200" cy="369332"/>
-          </a:xfrm>
-          <a:prstGeom prst="rect">
-            <a:avLst/>
-          </a:prstGeom>
-          <a:noFill/>
-        </p:spPr>
-        <p:txBody>
-          <a:bodyPr wrap="square" rtlCol="0">
-            <a:spAutoFit/>
-          </a:bodyPr>
-          <a:lstStyle/>
-          <a:p>
-            <a:r>
-              <a:rPr lang="en-US" dirty="0" smtClean="0"/>
-              <a:t>Header</a:t>
-            </a:r>
-            <a:endParaRPr lang="en-IN" dirty="0"/>
-          </a:p>
-        </p:txBody>
-      </p:sp>
-      <p:sp>
-        <p:nvSpPr>
-          <p:cNvPr id="7" name="TextBox 6"/>
-          <p:cNvSpPr txBox="1"/>
-          <p:nvPr/>
-        </p:nvSpPr>
-        <p:spPr>
-          <a:xfrm>
-            <a:off x="7315200" y="3124200"/>
-            <a:ext cx="1295400" cy="369332"/>
-          </a:xfrm>
-          <a:prstGeom prst="rect">
-            <a:avLst/>
-          </a:prstGeom>
-          <a:noFill/>
-        </p:spPr>
-        <p:txBody>
-          <a:bodyPr wrap="square" rtlCol="0">
-            <a:spAutoFit/>
-          </a:bodyPr>
-          <a:lstStyle/>
-          <a:p>
-            <a:r>
-              <a:rPr lang="en-US" dirty="0" smtClean="0"/>
-              <a:t>Canvas</a:t>
-            </a:r>
-            <a:endParaRPr lang="en-IN" dirty="0"/>
-          </a:p>
-        </p:txBody>
-      </p:sp>
-      <p:sp>
-        <p:nvSpPr>
-          <p:cNvPr id="8" name="TextBox 7"/>
-          <p:cNvSpPr txBox="1"/>
-          <p:nvPr/>
-        </p:nvSpPr>
-        <p:spPr>
-          <a:xfrm>
-            <a:off x="7315200" y="5715000"/>
-            <a:ext cx="1676400" cy="369332"/>
-          </a:xfrm>
-          <a:prstGeom prst="rect">
-            <a:avLst/>
-          </a:prstGeom>
-          <a:noFill/>
-        </p:spPr>
-        <p:txBody>
-          <a:bodyPr wrap="square" rtlCol="0">
-            <a:spAutoFit/>
-          </a:bodyPr>
-          <a:lstStyle/>
-          <a:p>
-            <a:r>
-              <a:rPr lang="en-US" dirty="0" smtClean="0"/>
-              <a:t>Text Entry Field</a:t>
-            </a:r>
-            <a:endParaRPr lang="en-IN" dirty="0"/>
-          </a:p>
-        </p:txBody>
-      </p:sp>
-      <p:sp>
-        <p:nvSpPr>
-          <p:cNvPr id="9" name="TextBox 8"/>
-          <p:cNvSpPr txBox="1"/>
-          <p:nvPr/>
-        </p:nvSpPr>
-        <p:spPr>
-          <a:xfrm>
-            <a:off x="7315200" y="6248400"/>
-            <a:ext cx="1676400" cy="369332"/>
-          </a:xfrm>
-          <a:prstGeom prst="rect">
-            <a:avLst/>
-          </a:prstGeom>
-          <a:noFill/>
-        </p:spPr>
-        <p:txBody>
-          <a:bodyPr wrap="square" rtlCol="0">
-            <a:spAutoFit/>
-          </a:bodyPr>
-          <a:lstStyle/>
-          <a:p>
-            <a:r>
-              <a:rPr lang="en-US" dirty="0" smtClean="0"/>
-              <a:t>Submit Button</a:t>
-            </a:r>
-            <a:endParaRPr lang="en-IN" dirty="0"/>
-          </a:p>
-        </p:txBody>
-      </p:sp>
     </p:spTree>
   </p:cSld>
   <p:clrMapOvr>
@@ -4947,4 +5630,287 @@
   <a:objectDefaults/>
   <a:extraClrSchemeLst/>
 </a:theme>
+</file>
+
+<file path=ppt/theme/theme2.xml><?xml version="1.0" encoding="utf-8"?>
+<a:theme xmlns:a="http://schemas.openxmlformats.org/drawingml/2006/main" name="Office Theme">
+  <a:themeElements>
+    <a:clrScheme name="Office">
+      <a:dk1>
+        <a:sysClr val="windowText" lastClr="000000"/>
+      </a:dk1>
+      <a:lt1>
+        <a:sysClr val="window" lastClr="FFFFFF"/>
+      </a:lt1>
+      <a:dk2>
+        <a:srgbClr val="1F497D"/>
+      </a:dk2>
+      <a:lt2>
+        <a:srgbClr val="EEECE1"/>
+      </a:lt2>
+      <a:accent1>
+        <a:srgbClr val="4F81BD"/>
+      </a:accent1>
+      <a:accent2>
+        <a:srgbClr val="C0504D"/>
+      </a:accent2>
+      <a:accent3>
+        <a:srgbClr val="9BBB59"/>
+      </a:accent3>
+      <a:accent4>
+        <a:srgbClr val="8064A2"/>
+      </a:accent4>
+      <a:accent5>
+        <a:srgbClr val="4BACC6"/>
+      </a:accent5>
+      <a:accent6>
+        <a:srgbClr val="F79646"/>
+      </a:accent6>
+      <a:hlink>
+        <a:srgbClr val="0000FF"/>
+      </a:hlink>
+      <a:folHlink>
+        <a:srgbClr val="800080"/>
+      </a:folHlink>
+    </a:clrScheme>
+    <a:fontScheme name="Office">
+      <a:majorFont>
+        <a:latin typeface="Calibri"/>
+        <a:ea typeface=""/>
+        <a:cs typeface=""/>
+        <a:font script="Jpan" typeface="ＭＳ Ｐゴシック"/>
+        <a:font script="Hang" typeface="맑은 고딕"/>
+        <a:font script="Hans" typeface="宋体"/>
+        <a:font script="Hant" typeface="新細明體"/>
+        <a:font script="Arab" typeface="Times New Roman"/>
+        <a:font script="Hebr" typeface="Times New Roman"/>
+        <a:font script="Thai" typeface="Angsana New"/>
+        <a:font script="Ethi" typeface="Nyala"/>
+        <a:font script="Beng" typeface="Vrinda"/>
+        <a:font script="Gujr" typeface="Shruti"/>
+        <a:font script="Khmr" typeface="MoolBoran"/>
+        <a:font script="Knda" typeface="Tunga"/>
+        <a:font script="Guru" typeface="Raavi"/>
+        <a:font script="Cans" typeface="Euphemia"/>
+        <a:font script="Cher" typeface="Plantagenet Cherokee"/>
+        <a:font script="Yiii" typeface="Microsoft Yi Baiti"/>
+        <a:font script="Tibt" typeface="Microsoft Himalaya"/>
+        <a:font script="Thaa" typeface="MV Boli"/>
+        <a:font script="Deva" typeface="Mangal"/>
+        <a:font script="Telu" typeface="Gautami"/>
+        <a:font script="Taml" typeface="Latha"/>
+        <a:font script="Syrc" typeface="Estrangelo Edessa"/>
+        <a:font script="Orya" typeface="Kalinga"/>
+        <a:font script="Mlym" typeface="Kartika"/>
+        <a:font script="Laoo" typeface="DokChampa"/>
+        <a:font script="Sinh" typeface="Iskoola Pota"/>
+        <a:font script="Mong" typeface="Mongolian Baiti"/>
+        <a:font script="Viet" typeface="Times New Roman"/>
+        <a:font script="Uigh" typeface="Microsoft Uighur"/>
+      </a:majorFont>
+      <a:minorFont>
+        <a:latin typeface="Calibri"/>
+        <a:ea typeface=""/>
+        <a:cs typeface=""/>
+        <a:font script="Jpan" typeface="ＭＳ Ｐゴシック"/>
+        <a:font script="Hang" typeface="맑은 고딕"/>
+        <a:font script="Hans" typeface="宋体"/>
+        <a:font script="Hant" typeface="新細明體"/>
+        <a:font script="Arab" typeface="Arial"/>
+        <a:font script="Hebr" typeface="Arial"/>
+        <a:font script="Thai" typeface="Cordia New"/>
+        <a:font script="Ethi" typeface="Nyala"/>
+        <a:font script="Beng" typeface="Vrinda"/>
+        <a:font script="Gujr" typeface="Shruti"/>
+        <a:font script="Khmr" typeface="DaunPenh"/>
+        <a:font script="Knda" typeface="Tunga"/>
+        <a:font script="Guru" typeface="Raavi"/>
+        <a:font script="Cans" typeface="Euphemia"/>
+        <a:font script="Cher" typeface="Plantagenet Cherokee"/>
+        <a:font script="Yiii" typeface="Microsoft Yi Baiti"/>
+        <a:font script="Tibt" typeface="Microsoft Himalaya"/>
+        <a:font script="Thaa" typeface="MV Boli"/>
+        <a:font script="Deva" typeface="Mangal"/>
+        <a:font script="Telu" typeface="Gautami"/>
+        <a:font script="Taml" typeface="Latha"/>
+        <a:font script="Syrc" typeface="Estrangelo Edessa"/>
+        <a:font script="Orya" typeface="Kalinga"/>
+        <a:font script="Mlym" typeface="Kartika"/>
+        <a:font script="Laoo" typeface="DokChampa"/>
+        <a:font script="Sinh" typeface="Iskoola Pota"/>
+        <a:font script="Mong" typeface="Mongolian Baiti"/>
+        <a:font script="Viet" typeface="Arial"/>
+        <a:font script="Uigh" typeface="Microsoft Uighur"/>
+      </a:minorFont>
+    </a:fontScheme>
+    <a:fmtScheme name="Office">
+      <a:fillStyleLst>
+        <a:solidFill>
+          <a:schemeClr val="phClr"/>
+        </a:solidFill>
+        <a:gradFill rotWithShape="1">
+          <a:gsLst>
+            <a:gs pos="0">
+              <a:schemeClr val="phClr">
+                <a:tint val="50000"/>
+                <a:satMod val="300000"/>
+              </a:schemeClr>
+            </a:gs>
+            <a:gs pos="35000">
+              <a:schemeClr val="phClr">
+                <a:tint val="37000"/>
+                <a:satMod val="300000"/>
+              </a:schemeClr>
+            </a:gs>
+            <a:gs pos="100000">
+              <a:schemeClr val="phClr">
+                <a:tint val="15000"/>
+                <a:satMod val="350000"/>
+              </a:schemeClr>
+            </a:gs>
+          </a:gsLst>
+          <a:lin ang="16200000" scaled="1"/>
+        </a:gradFill>
+        <a:gradFill rotWithShape="1">
+          <a:gsLst>
+            <a:gs pos="0">
+              <a:schemeClr val="phClr">
+                <a:shade val="51000"/>
+                <a:satMod val="130000"/>
+              </a:schemeClr>
+            </a:gs>
+            <a:gs pos="80000">
+              <a:schemeClr val="phClr">
+                <a:shade val="93000"/>
+                <a:satMod val="130000"/>
+              </a:schemeClr>
+            </a:gs>
+            <a:gs pos="100000">
+              <a:schemeClr val="phClr">
+                <a:shade val="94000"/>
+                <a:satMod val="135000"/>
+              </a:schemeClr>
+            </a:gs>
+          </a:gsLst>
+          <a:lin ang="16200000" scaled="0"/>
+        </a:gradFill>
+      </a:fillStyleLst>
+      <a:lnStyleLst>
+        <a:ln w="9525" cap="flat" cmpd="sng" algn="ctr">
+          <a:solidFill>
+            <a:schemeClr val="phClr">
+              <a:shade val="95000"/>
+              <a:satMod val="105000"/>
+            </a:schemeClr>
+          </a:solidFill>
+          <a:prstDash val="solid"/>
+        </a:ln>
+        <a:ln w="25400" cap="flat" cmpd="sng" algn="ctr">
+          <a:solidFill>
+            <a:schemeClr val="phClr"/>
+          </a:solidFill>
+          <a:prstDash val="solid"/>
+        </a:ln>
+        <a:ln w="38100" cap="flat" cmpd="sng" algn="ctr">
+          <a:solidFill>
+            <a:schemeClr val="phClr"/>
+          </a:solidFill>
+          <a:prstDash val="solid"/>
+        </a:ln>
+      </a:lnStyleLst>
+      <a:effectStyleLst>
+        <a:effectStyle>
+          <a:effectLst>
+            <a:outerShdw blurRad="40000" dist="20000" dir="5400000" rotWithShape="0">
+              <a:srgbClr val="000000">
+                <a:alpha val="38000"/>
+              </a:srgbClr>
+            </a:outerShdw>
+          </a:effectLst>
+        </a:effectStyle>
+        <a:effectStyle>
+          <a:effectLst>
+            <a:outerShdw blurRad="40000" dist="23000" dir="5400000" rotWithShape="0">
+              <a:srgbClr val="000000">
+                <a:alpha val="35000"/>
+              </a:srgbClr>
+            </a:outerShdw>
+          </a:effectLst>
+        </a:effectStyle>
+        <a:effectStyle>
+          <a:effectLst>
+            <a:outerShdw blurRad="40000" dist="23000" dir="5400000" rotWithShape="0">
+              <a:srgbClr val="000000">
+                <a:alpha val="35000"/>
+              </a:srgbClr>
+            </a:outerShdw>
+          </a:effectLst>
+          <a:scene3d>
+            <a:camera prst="orthographicFront">
+              <a:rot lat="0" lon="0" rev="0"/>
+            </a:camera>
+            <a:lightRig rig="threePt" dir="t">
+              <a:rot lat="0" lon="0" rev="1200000"/>
+            </a:lightRig>
+          </a:scene3d>
+          <a:sp3d>
+            <a:bevelT w="63500" h="25400"/>
+          </a:sp3d>
+        </a:effectStyle>
+      </a:effectStyleLst>
+      <a:bgFillStyleLst>
+        <a:solidFill>
+          <a:schemeClr val="phClr"/>
+        </a:solidFill>
+        <a:gradFill rotWithShape="1">
+          <a:gsLst>
+            <a:gs pos="0">
+              <a:schemeClr val="phClr">
+                <a:tint val="40000"/>
+                <a:satMod val="350000"/>
+              </a:schemeClr>
+            </a:gs>
+            <a:gs pos="40000">
+              <a:schemeClr val="phClr">
+                <a:tint val="45000"/>
+                <a:shade val="99000"/>
+                <a:satMod val="350000"/>
+              </a:schemeClr>
+            </a:gs>
+            <a:gs pos="100000">
+              <a:schemeClr val="phClr">
+                <a:shade val="20000"/>
+                <a:satMod val="255000"/>
+              </a:schemeClr>
+            </a:gs>
+          </a:gsLst>
+          <a:path path="circle">
+            <a:fillToRect l="50000" t="-80000" r="50000" b="180000"/>
+          </a:path>
+        </a:gradFill>
+        <a:gradFill rotWithShape="1">
+          <a:gsLst>
+            <a:gs pos="0">
+              <a:schemeClr val="phClr">
+                <a:tint val="80000"/>
+                <a:satMod val="300000"/>
+              </a:schemeClr>
+            </a:gs>
+            <a:gs pos="100000">
+              <a:schemeClr val="phClr">
+                <a:shade val="30000"/>
+                <a:satMod val="200000"/>
+              </a:schemeClr>
+            </a:gs>
+          </a:gsLst>
+          <a:path path="circle">
+            <a:fillToRect l="50000" t="50000" r="50000" b="50000"/>
+          </a:path>
+        </a:gradFill>
+      </a:bgFillStyleLst>
+    </a:fmtScheme>
+  </a:themeElements>
+  <a:objectDefaults/>
+  <a:extraClrSchemeLst/>
+</a:theme>
 </file>
--- a/Game App Project.pptx
+++ b/Game App Project.pptx
@@ -204,7 +204,8 @@
           <a:p>
             <a:fld id="{79F802CA-497D-4BA0-9993-59E11338273C}" type="datetimeFigureOut">
               <a:rPr lang="en-US" smtClean="0"/>
-              <a:t>6/25/2018</a:t>
+              <a:pPr/>
+              <a:t>6/26/2018</a:t>
             </a:fld>
             <a:endParaRPr lang="en-IN"/>
           </a:p>
@@ -365,6 +366,7 @@
           <a:p>
             <a:fld id="{9E5D2D5B-94FC-48DB-8907-4CFFF3DAA9F0}" type="slidenum">
               <a:rPr lang="en-IN" smtClean="0"/>
+              <a:pPr/>
               <a:t>‹#›</a:t>
             </a:fld>
             <a:endParaRPr lang="en-IN"/>
@@ -536,6 +538,7 @@
           <a:p>
             <a:fld id="{9E5D2D5B-94FC-48DB-8907-4CFFF3DAA9F0}" type="slidenum">
               <a:rPr lang="en-IN" smtClean="0"/>
+              <a:pPr/>
               <a:t>8</a:t>
             </a:fld>
             <a:endParaRPr lang="en-IN"/>
@@ -726,7 +729,7 @@
             <a:fld id="{A29A0126-3179-4529-9515-D2644E678306}" type="datetimeFigureOut">
               <a:rPr lang="en-US" smtClean="0"/>
               <a:pPr/>
-              <a:t>6/25/2018</a:t>
+              <a:t>6/26/2018</a:t>
             </a:fld>
             <a:endParaRPr lang="en-IN"/>
           </a:p>
@@ -898,7 +901,7 @@
             <a:fld id="{A29A0126-3179-4529-9515-D2644E678306}" type="datetimeFigureOut">
               <a:rPr lang="en-US" smtClean="0"/>
               <a:pPr/>
-              <a:t>6/25/2018</a:t>
+              <a:t>6/26/2018</a:t>
             </a:fld>
             <a:endParaRPr lang="en-IN"/>
           </a:p>
@@ -1075,7 +1078,7 @@
             <a:fld id="{A29A0126-3179-4529-9515-D2644E678306}" type="datetimeFigureOut">
               <a:rPr lang="en-US" smtClean="0"/>
               <a:pPr/>
-              <a:t>6/25/2018</a:t>
+              <a:t>6/26/2018</a:t>
             </a:fld>
             <a:endParaRPr lang="en-IN"/>
           </a:p>
@@ -1242,7 +1245,7 @@
             <a:fld id="{A29A0126-3179-4529-9515-D2644E678306}" type="datetimeFigureOut">
               <a:rPr lang="en-US" smtClean="0"/>
               <a:pPr/>
-              <a:t>6/25/2018</a:t>
+              <a:t>6/26/2018</a:t>
             </a:fld>
             <a:endParaRPr lang="en-IN"/>
           </a:p>
@@ -1478,7 +1481,7 @@
             <a:fld id="{A29A0126-3179-4529-9515-D2644E678306}" type="datetimeFigureOut">
               <a:rPr lang="en-US" smtClean="0"/>
               <a:pPr/>
-              <a:t>6/25/2018</a:t>
+              <a:t>6/26/2018</a:t>
             </a:fld>
             <a:endParaRPr lang="en-IN"/>
           </a:p>
@@ -1776,7 +1779,7 @@
             <a:fld id="{A29A0126-3179-4529-9515-D2644E678306}" type="datetimeFigureOut">
               <a:rPr lang="en-US" smtClean="0"/>
               <a:pPr/>
-              <a:t>6/25/2018</a:t>
+              <a:t>6/26/2018</a:t>
             </a:fld>
             <a:endParaRPr lang="en-IN"/>
           </a:p>
@@ -2162,7 +2165,7 @@
             <a:fld id="{A29A0126-3179-4529-9515-D2644E678306}" type="datetimeFigureOut">
               <a:rPr lang="en-US" smtClean="0"/>
               <a:pPr/>
-              <a:t>6/25/2018</a:t>
+              <a:t>6/26/2018</a:t>
             </a:fld>
             <a:endParaRPr lang="en-IN"/>
           </a:p>
@@ -2337,7 +2340,7 @@
             <a:fld id="{A29A0126-3179-4529-9515-D2644E678306}" type="datetimeFigureOut">
               <a:rPr lang="en-US" smtClean="0"/>
               <a:pPr/>
-              <a:t>6/25/2018</a:t>
+              <a:t>6/26/2018</a:t>
             </a:fld>
             <a:endParaRPr lang="en-IN"/>
           </a:p>
@@ -2429,7 +2432,7 @@
             <a:fld id="{A29A0126-3179-4529-9515-D2644E678306}" type="datetimeFigureOut">
               <a:rPr lang="en-US" smtClean="0"/>
               <a:pPr/>
-              <a:t>6/25/2018</a:t>
+              <a:t>6/26/2018</a:t>
             </a:fld>
             <a:endParaRPr lang="en-IN"/>
           </a:p>
@@ -2726,7 +2729,7 @@
             <a:fld id="{A29A0126-3179-4529-9515-D2644E678306}" type="datetimeFigureOut">
               <a:rPr lang="en-US" smtClean="0"/>
               <a:pPr/>
-              <a:t>6/25/2018</a:t>
+              <a:t>6/26/2018</a:t>
             </a:fld>
             <a:endParaRPr lang="en-IN"/>
           </a:p>
@@ -2862,7 +2865,7 @@
             <a:fld id="{A29A0126-3179-4529-9515-D2644E678306}" type="datetimeFigureOut">
               <a:rPr lang="en-US" smtClean="0"/>
               <a:pPr/>
-              <a:t>6/25/2018</a:t>
+              <a:t>6/26/2018</a:t>
             </a:fld>
             <a:endParaRPr lang="en-IN"/>
           </a:p>
@@ -3167,7 +3170,7 @@
             <a:fld id="{A29A0126-3179-4529-9515-D2644E678306}" type="datetimeFigureOut">
               <a:rPr lang="en-US" smtClean="0"/>
               <a:pPr/>
-              <a:t>6/25/2018</a:t>
+              <a:t>6/26/2018</a:t>
             </a:fld>
             <a:endParaRPr lang="en-IN"/>
           </a:p>
@@ -4558,13 +4561,13 @@
           <a:p>
             <a:r>
               <a:rPr lang="en-US" dirty="0" smtClean="0"/>
-              <a:t>Operating System: Windows 10, IOS</a:t>
+              <a:t>Operating System: Windows 10, IOS, Android</a:t>
             </a:r>
           </a:p>
           <a:p>
             <a:r>
               <a:rPr lang="en-US" dirty="0" smtClean="0"/>
-              <a:t>Browsers: Google Chrome, Microsoft Edge</a:t>
+              <a:t>Browsers: Google Chrome</a:t>
             </a:r>
             <a:endParaRPr lang="en-IN" dirty="0"/>
           </a:p>
@@ -4861,30 +4864,6 @@
           <a:effectLst/>
         </p:spPr>
       </p:pic>
-      <p:sp>
-        <p:nvSpPr>
-          <p:cNvPr id="6" name="Content Placeholder 4"/>
-          <p:cNvSpPr>
-            <a:spLocks noGrp="1"/>
-          </p:cNvSpPr>
-          <p:nvPr>
-            <p:ph idx="1"/>
-          </p:nvPr>
-        </p:nvSpPr>
-        <p:spPr>
-          <a:xfrm>
-            <a:off x="304800" y="1554162"/>
-            <a:ext cx="8686800" cy="4525963"/>
-          </a:xfrm>
-        </p:spPr>
-        <p:txBody>
-          <a:bodyPr/>
-          <a:lstStyle/>
-          <a:p>
-            <a:endParaRPr lang="en-IN" dirty="0"/>
-          </a:p>
-        </p:txBody>
-      </p:sp>
     </p:spTree>
   </p:cSld>
   <p:clrMapOvr>
@@ -5054,11 +5033,7 @@
           <a:p>
             <a:r>
               <a:rPr lang="en-US" dirty="0" smtClean="0"/>
-              <a:t>Submit/Clear </a:t>
-            </a:r>
-            <a:r>
-              <a:rPr lang="en-US" dirty="0" smtClean="0"/>
-              <a:t>Button</a:t>
+              <a:t>Submit/Clear Button</a:t>
             </a:r>
             <a:endParaRPr lang="en-IN" dirty="0"/>
           </a:p>
@@ -5266,11 +5241,7 @@
           <a:p>
             <a:r>
               <a:rPr lang="en-US" dirty="0" smtClean="0"/>
-              <a:t>Submit/Clear </a:t>
-            </a:r>
-            <a:r>
-              <a:rPr lang="en-US" dirty="0" smtClean="0"/>
-              <a:t>Button</a:t>
+              <a:t>Submit/Clear Button</a:t>
             </a:r>
             <a:endParaRPr lang="en-IN" dirty="0"/>
           </a:p>
